--- a/presentation.pptx
+++ b/presentation.pptx
@@ -7180,7 +7180,7 @@
         </p:spPr>
         <p:txBody>
           <a:bodyPr vert="horz" lIns="91440" tIns="45720" rIns="91440" bIns="45720" rtlCol="0" anchor="t">
-            <a:normAutofit/>
+            <a:normAutofit lnSpcReduction="10000"/>
           </a:bodyPr>
           <a:lstStyle/>
           <a:p>
@@ -7228,6 +7228,15 @@
             <a:r>
               <a:rPr lang="de-DE" dirty="0"/>
               <a:t>Batch-File geschrieben, womit man das Projekt leicht testen kann.</a:t>
+            </a:r>
+          </a:p>
+          <a:p>
+            <a:endParaRPr lang="de-DE" dirty="0"/>
+          </a:p>
+          <a:p>
+            <a:r>
+              <a:rPr lang="de-DE" dirty="0"/>
+              <a:t>Unit-Tests:  Anzahl der insgesamten Wörter &amp; Anzahl eines jeweiligen Wortes</a:t>
             </a:r>
           </a:p>
         </p:txBody>
